--- a/Javaでのオセロ制作.pptx
+++ b/Javaでのオセロ制作.pptx
@@ -6169,17 +6169,6 @@
           <a:bodyPr/>
           <a:lstStyle/>
           <a:p>
-            <a:r>
-              <a:rPr kumimoji="1" lang="ja-JP" altLang="en-US" sz="2800" dirty="0" smtClean="0">
-                <a:solidFill>
-                  <a:schemeClr val="tx1">
-                    <a:lumMod val="75000"/>
-                    <a:lumOff val="25000"/>
-                  </a:schemeClr>
-                </a:solidFill>
-              </a:rPr>
-              <a:t>岡田　悠吾</a:t>
-            </a:r>
             <a:endParaRPr kumimoji="1" lang="en-US" altLang="ja-JP" sz="2800" dirty="0" smtClean="0">
               <a:solidFill>
                 <a:schemeClr val="tx1">
